--- a/class-notes/cs321-winter-2023-lecture-17-classes-for-data.pptx
+++ b/class-notes/cs321-winter-2023-lecture-17-classes-for-data.pptx
@@ -5,28 +5,36 @@
     <p:sldMasterId id="2147484010" r:id="rId1"/>
   </p:sldMasterIdLst>
   <p:notesMasterIdLst>
-    <p:notesMasterId r:id="rId4"/>
+    <p:notesMasterId r:id="rId12"/>
   </p:notesMasterIdLst>
   <p:sldIdLst>
     <p:sldId id="449" r:id="rId2"/>
-    <p:sldId id="450" r:id="rId3"/>
+    <p:sldId id="493" r:id="rId3"/>
+    <p:sldId id="469" r:id="rId4"/>
+    <p:sldId id="492" r:id="rId5"/>
+    <p:sldId id="451" r:id="rId6"/>
+    <p:sldId id="463" r:id="rId7"/>
+    <p:sldId id="473" r:id="rId8"/>
+    <p:sldId id="464" r:id="rId9"/>
+    <p:sldId id="472" r:id="rId10"/>
+    <p:sldId id="494" r:id="rId11"/>
   </p:sldIdLst>
   <p:sldSz cx="18288000" cy="10287000"/>
   <p:notesSz cx="18288000" cy="10287000"/>
   <p:embeddedFontLst>
     <p:embeddedFont>
       <p:font typeface="Calibri" panose="020F0502020204030204" pitchFamily="34" charset="0"/>
-      <p:regular r:id="rId5"/>
-      <p:bold r:id="rId6"/>
-      <p:italic r:id="rId7"/>
-      <p:boldItalic r:id="rId8"/>
+      <p:regular r:id="rId13"/>
+      <p:bold r:id="rId14"/>
+      <p:italic r:id="rId15"/>
+      <p:boldItalic r:id="rId16"/>
     </p:embeddedFont>
     <p:embeddedFont>
       <p:font typeface="Corbel" panose="020B0503020204020204" pitchFamily="34" charset="0"/>
-      <p:regular r:id="rId9"/>
-      <p:bold r:id="rId10"/>
-      <p:italic r:id="rId11"/>
-      <p:boldItalic r:id="rId12"/>
+      <p:regular r:id="rId17"/>
+      <p:bold r:id="rId18"/>
+      <p:italic r:id="rId19"/>
+      <p:boldItalic r:id="rId20"/>
     </p:embeddedFont>
   </p:embeddedFontLst>
   <p:defaultTextStyle>
@@ -225,7 +233,7 @@
           <a:p>
             <a:fld id="{005CC382-AF05-4256-B699-A89F13873124}" type="datetimeFigureOut">
               <a:rPr lang="en-CA" smtClean="0"/>
-              <a:t>2023-03-22</a:t>
+              <a:t>2023-03-23</a:t>
             </a:fld>
             <a:endParaRPr lang="en-CA"/>
           </a:p>
@@ -689,7 +697,7 @@
           <a:p>
             <a:fld id="{1D8BD707-D9CF-40AE-B4C6-C98DA3205C09}" type="datetimeFigureOut">
               <a:rPr lang="en-US" smtClean="0"/>
-              <a:t>3/22/2023</a:t>
+              <a:t>3/23/2023</a:t>
             </a:fld>
             <a:endParaRPr lang="en-US"/>
           </a:p>
@@ -910,7 +918,7 @@
           <a:p>
             <a:fld id="{1D8BD707-D9CF-40AE-B4C6-C98DA3205C09}" type="datetimeFigureOut">
               <a:rPr lang="en-US" smtClean="0"/>
-              <a:t>3/22/2023</a:t>
+              <a:t>3/23/2023</a:t>
             </a:fld>
             <a:endParaRPr lang="en-US"/>
           </a:p>
@@ -1090,7 +1098,7 @@
           <a:p>
             <a:fld id="{1D8BD707-D9CF-40AE-B4C6-C98DA3205C09}" type="datetimeFigureOut">
               <a:rPr lang="en-US" smtClean="0"/>
-              <a:t>3/22/2023</a:t>
+              <a:t>3/23/2023</a:t>
             </a:fld>
             <a:endParaRPr lang="en-US"/>
           </a:p>
@@ -1260,7 +1268,7 @@
           <a:p>
             <a:fld id="{1D8BD707-D9CF-40AE-B4C6-C98DA3205C09}" type="datetimeFigureOut">
               <a:rPr lang="en-US" smtClean="0"/>
-              <a:t>3/22/2023</a:t>
+              <a:t>3/23/2023</a:t>
             </a:fld>
             <a:endParaRPr lang="en-US"/>
           </a:p>
@@ -1511,7 +1519,7 @@
           <a:p>
             <a:fld id="{1D8BD707-D9CF-40AE-B4C6-C98DA3205C09}" type="datetimeFigureOut">
               <a:rPr lang="en-US" smtClean="0"/>
-              <a:t>3/22/2023</a:t>
+              <a:t>3/23/2023</a:t>
             </a:fld>
             <a:endParaRPr lang="en-US"/>
           </a:p>
@@ -1834,7 +1842,7 @@
           <a:p>
             <a:fld id="{1D8BD707-D9CF-40AE-B4C6-C98DA3205C09}" type="datetimeFigureOut">
               <a:rPr lang="en-US" smtClean="0"/>
-              <a:t>3/22/2023</a:t>
+              <a:t>3/23/2023</a:t>
             </a:fld>
             <a:endParaRPr lang="en-US"/>
           </a:p>
@@ -2258,7 +2266,7 @@
           <a:p>
             <a:fld id="{1D8BD707-D9CF-40AE-B4C6-C98DA3205C09}" type="datetimeFigureOut">
               <a:rPr lang="en-US" smtClean="0"/>
-              <a:t>3/22/2023</a:t>
+              <a:t>3/23/2023</a:t>
             </a:fld>
             <a:endParaRPr lang="en-US"/>
           </a:p>
@@ -2376,7 +2384,7 @@
           <a:p>
             <a:fld id="{1D8BD707-D9CF-40AE-B4C6-C98DA3205C09}" type="datetimeFigureOut">
               <a:rPr lang="en-US" smtClean="0"/>
-              <a:t>3/22/2023</a:t>
+              <a:t>3/23/2023</a:t>
             </a:fld>
             <a:endParaRPr lang="en-US"/>
           </a:p>
@@ -2471,7 +2479,7 @@
           <a:p>
             <a:fld id="{1D8BD707-D9CF-40AE-B4C6-C98DA3205C09}" type="datetimeFigureOut">
               <a:rPr lang="en-US" smtClean="0"/>
-              <a:t>3/22/2023</a:t>
+              <a:t>3/23/2023</a:t>
             </a:fld>
             <a:endParaRPr lang="en-US"/>
           </a:p>
@@ -2761,7 +2769,7 @@
           <a:p>
             <a:fld id="{1D8BD707-D9CF-40AE-B4C6-C98DA3205C09}" type="datetimeFigureOut">
               <a:rPr lang="en-US" smtClean="0"/>
-              <a:t>3/22/2023</a:t>
+              <a:t>3/23/2023</a:t>
             </a:fld>
             <a:endParaRPr lang="en-US"/>
           </a:p>
@@ -3033,7 +3041,7 @@
           <a:p>
             <a:fld id="{1D8BD707-D9CF-40AE-B4C6-C98DA3205C09}" type="datetimeFigureOut">
               <a:rPr lang="en-US" smtClean="0"/>
-              <a:t>3/22/2023</a:t>
+              <a:t>3/23/2023</a:t>
             </a:fld>
             <a:endParaRPr lang="en-US"/>
           </a:p>
@@ -3287,7 +3295,7 @@
           <a:p>
             <a:fld id="{1D8BD707-D9CF-40AE-B4C6-C98DA3205C09}" type="datetimeFigureOut">
               <a:rPr lang="en-US" smtClean="0"/>
-              <a:t>3/22/2023</a:t>
+              <a:t>3/23/2023</a:t>
             </a:fld>
             <a:endParaRPr lang="en-US"/>
           </a:p>
@@ -3770,10 +3778,9 @@
           <a:lstStyle/>
           <a:p>
             <a:r>
-              <a:rPr lang="en-CA"/>
-              <a:t>Software ARCHITECTURE</a:t>
-            </a:r>
-            <a:endParaRPr lang="en-CA" dirty="0"/>
+              <a:rPr lang="en-CA" dirty="0"/>
+              <a:t>Saving and READING DATA</a:t>
+            </a:r>
           </a:p>
         </p:txBody>
       </p:sp>
@@ -3806,6 +3813,92 @@
     <p:extLst>
       <p:ext uri="{BB962C8B-B14F-4D97-AF65-F5344CB8AC3E}">
         <p14:creationId xmlns:p14="http://schemas.microsoft.com/office/powerpoint/2010/main" val="3434089016"/>
+      </p:ext>
+    </p:extLst>
+  </p:cSld>
+  <p:clrMapOvr>
+    <a:masterClrMapping/>
+  </p:clrMapOvr>
+</p:sld>
+</file>
+
+<file path=ppt/slides/slide10.xml><?xml version="1.0" encoding="utf-8"?>
+<p:sld xmlns:a="http://schemas.openxmlformats.org/drawingml/2006/main" xmlns:r="http://schemas.openxmlformats.org/officeDocument/2006/relationships" xmlns:p="http://schemas.openxmlformats.org/presentationml/2006/main">
+  <p:cSld>
+    <p:spTree>
+      <p:nvGrpSpPr>
+        <p:cNvPr id="1" name=""/>
+        <p:cNvGrpSpPr/>
+        <p:nvPr/>
+      </p:nvGrpSpPr>
+      <p:grpSpPr>
+        <a:xfrm>
+          <a:off x="0" y="0"/>
+          <a:ext cx="0" cy="0"/>
+          <a:chOff x="0" y="0"/>
+          <a:chExt cx="0" cy="0"/>
+        </a:xfrm>
+      </p:grpSpPr>
+      <p:sp>
+        <p:nvSpPr>
+          <p:cNvPr id="2" name="Title 1">
+            <a:extLst>
+              <a:ext uri="{FF2B5EF4-FFF2-40B4-BE49-F238E27FC236}">
+                <a16:creationId xmlns:a16="http://schemas.microsoft.com/office/drawing/2014/main" id="{872EB685-5FDD-870F-0015-19BB05776048}"/>
+              </a:ext>
+            </a:extLst>
+          </p:cNvPr>
+          <p:cNvSpPr>
+            <a:spLocks noGrp="1"/>
+          </p:cNvSpPr>
+          <p:nvPr>
+            <p:ph type="title"/>
+          </p:nvPr>
+        </p:nvSpPr>
+        <p:spPr/>
+        <p:txBody>
+          <a:bodyPr/>
+          <a:lstStyle/>
+          <a:p>
+            <a:r>
+              <a:rPr lang="en-CA" dirty="0"/>
+              <a:t>How does it work under the hood?</a:t>
+            </a:r>
+          </a:p>
+        </p:txBody>
+      </p:sp>
+      <p:sp>
+        <p:nvSpPr>
+          <p:cNvPr id="3" name="Content Placeholder 2">
+            <a:extLst>
+              <a:ext uri="{FF2B5EF4-FFF2-40B4-BE49-F238E27FC236}">
+                <a16:creationId xmlns:a16="http://schemas.microsoft.com/office/drawing/2014/main" id="{CE7724AA-8A90-508B-EF1A-41EB0B8E1DD7}"/>
+              </a:ext>
+            </a:extLst>
+          </p:cNvPr>
+          <p:cNvSpPr>
+            <a:spLocks noGrp="1"/>
+          </p:cNvSpPr>
+          <p:nvPr>
+            <p:ph idx="1"/>
+          </p:nvPr>
+        </p:nvSpPr>
+        <p:spPr/>
+        <p:txBody>
+          <a:bodyPr/>
+          <a:lstStyle/>
+          <a:p>
+            <a:r>
+              <a:rPr lang="en-CA"/>
+              <a:t>Let’s take a look!</a:t>
+            </a:r>
+          </a:p>
+        </p:txBody>
+      </p:sp>
+    </p:spTree>
+    <p:extLst>
+      <p:ext uri="{BB962C8B-B14F-4D97-AF65-F5344CB8AC3E}">
+        <p14:creationId xmlns:p14="http://schemas.microsoft.com/office/powerpoint/2010/main" val="472478510"/>
       </p:ext>
     </p:extLst>
   </p:cSld>
@@ -3848,15 +3941,55 @@
             <p:ph type="title"/>
           </p:nvPr>
         </p:nvSpPr>
-        <p:spPr/>
-        <p:txBody>
-          <a:bodyPr/>
-          <a:lstStyle/>
-          <a:p>
-            <a:endParaRPr lang="en-CA" dirty="0"/>
-          </a:p>
-        </p:txBody>
-      </p:sp>
+        <p:spPr>
+          <a:xfrm>
+            <a:off x="11337846" y="914400"/>
+            <a:ext cx="5868874" cy="2034540"/>
+          </a:xfrm>
+        </p:spPr>
+        <p:txBody>
+          <a:bodyPr>
+            <a:normAutofit/>
+          </a:bodyPr>
+          <a:lstStyle/>
+          <a:p>
+            <a:r>
+              <a:rPr lang="en-CA" sz="4800" dirty="0"/>
+              <a:t>Some Classes are Just Data</a:t>
+            </a:r>
+          </a:p>
+        </p:txBody>
+      </p:sp>
+      <p:pic>
+        <p:nvPicPr>
+          <p:cNvPr id="7" name="Picture 6">
+            <a:extLst>
+              <a:ext uri="{FF2B5EF4-FFF2-40B4-BE49-F238E27FC236}">
+                <a16:creationId xmlns:a16="http://schemas.microsoft.com/office/drawing/2014/main" id="{9EB0C0BC-D70A-135E-B7D8-3ACFC81CD60D}"/>
+              </a:ext>
+            </a:extLst>
+          </p:cNvPr>
+          <p:cNvPicPr>
+            <a:picLocks noChangeAspect="1"/>
+          </p:cNvPicPr>
+          <p:nvPr/>
+        </p:nvPicPr>
+        <p:blipFill>
+          <a:blip r:embed="rId2"/>
+          <a:stretch>
+            <a:fillRect/>
+          </a:stretch>
+        </p:blipFill>
+        <p:spPr>
+          <a:xfrm>
+            <a:off x="1308096" y="1753144"/>
+            <a:ext cx="9068364" cy="6777739"/>
+          </a:xfrm>
+          <a:prstGeom prst="rect">
+            <a:avLst/>
+          </a:prstGeom>
+        </p:spPr>
+      </p:pic>
       <p:sp>
         <p:nvSpPr>
           <p:cNvPr id="5" name="Content Placeholder 4">
@@ -3873,19 +4006,745 @@
             <p:ph idx="1"/>
           </p:nvPr>
         </p:nvSpPr>
-        <p:spPr/>
-        <p:txBody>
-          <a:bodyPr/>
-          <a:lstStyle/>
-          <a:p>
-            <a:endParaRPr lang="en-CA"/>
+        <p:spPr>
+          <a:xfrm>
+            <a:off x="11337846" y="3086100"/>
+            <a:ext cx="5868874" cy="6057900"/>
+          </a:xfrm>
+        </p:spPr>
+        <p:txBody>
+          <a:bodyPr>
+            <a:normAutofit/>
+          </a:bodyPr>
+          <a:lstStyle/>
+          <a:p>
+            <a:r>
+              <a:rPr lang="en-CA" sz="2400" dirty="0"/>
+              <a:t>In general classes should be immutable</a:t>
+            </a:r>
+          </a:p>
+          <a:p>
+            <a:r>
+              <a:rPr lang="en-CA" sz="2400" dirty="0"/>
+              <a:t>Sometimes it doesn’t make sense</a:t>
+            </a:r>
+          </a:p>
+          <a:p>
+            <a:r>
+              <a:rPr lang="en-CA" sz="2400" dirty="0"/>
+              <a:t>Consider the shape class</a:t>
+            </a:r>
           </a:p>
         </p:txBody>
       </p:sp>
     </p:spTree>
     <p:extLst>
       <p:ext uri="{BB962C8B-B14F-4D97-AF65-F5344CB8AC3E}">
-        <p14:creationId xmlns:p14="http://schemas.microsoft.com/office/powerpoint/2010/main" val="2532344934"/>
+        <p14:creationId xmlns:p14="http://schemas.microsoft.com/office/powerpoint/2010/main" val="679865658"/>
+      </p:ext>
+    </p:extLst>
+  </p:cSld>
+  <p:clrMapOvr>
+    <a:masterClrMapping/>
+  </p:clrMapOvr>
+</p:sld>
+</file>
+
+<file path=ppt/slides/slide3.xml><?xml version="1.0" encoding="utf-8"?>
+<p:sld xmlns:a="http://schemas.openxmlformats.org/drawingml/2006/main" xmlns:r="http://schemas.openxmlformats.org/officeDocument/2006/relationships" xmlns:p="http://schemas.openxmlformats.org/presentationml/2006/main">
+  <p:cSld>
+    <p:spTree>
+      <p:nvGrpSpPr>
+        <p:cNvPr id="1" name=""/>
+        <p:cNvGrpSpPr/>
+        <p:nvPr/>
+      </p:nvGrpSpPr>
+      <p:grpSpPr>
+        <a:xfrm>
+          <a:off x="0" y="0"/>
+          <a:ext cx="0" cy="0"/>
+          <a:chOff x="0" y="0"/>
+          <a:chExt cx="0" cy="0"/>
+        </a:xfrm>
+      </p:grpSpPr>
+      <p:sp>
+        <p:nvSpPr>
+          <p:cNvPr id="2" name="Title 1">
+            <a:extLst>
+              <a:ext uri="{FF2B5EF4-FFF2-40B4-BE49-F238E27FC236}">
+                <a16:creationId xmlns:a16="http://schemas.microsoft.com/office/drawing/2014/main" id="{7FBB315F-1C8D-741C-1EA3-6118CFB10009}"/>
+              </a:ext>
+            </a:extLst>
+          </p:cNvPr>
+          <p:cNvSpPr>
+            <a:spLocks noGrp="1"/>
+          </p:cNvSpPr>
+          <p:nvPr>
+            <p:ph type="title"/>
+          </p:nvPr>
+        </p:nvSpPr>
+        <p:spPr/>
+        <p:txBody>
+          <a:bodyPr/>
+          <a:lstStyle/>
+          <a:p>
+            <a:r>
+              <a:rPr lang="en-CA" dirty="0"/>
+              <a:t>How do you save data to disk?</a:t>
+            </a:r>
+          </a:p>
+        </p:txBody>
+      </p:sp>
+      <p:sp>
+        <p:nvSpPr>
+          <p:cNvPr id="3" name="Content Placeholder 2">
+            <a:extLst>
+              <a:ext uri="{FF2B5EF4-FFF2-40B4-BE49-F238E27FC236}">
+                <a16:creationId xmlns:a16="http://schemas.microsoft.com/office/drawing/2014/main" id="{B5FF1798-9470-AE35-74BD-FFF5EC346919}"/>
+              </a:ext>
+            </a:extLst>
+          </p:cNvPr>
+          <p:cNvSpPr>
+            <a:spLocks noGrp="1"/>
+          </p:cNvSpPr>
+          <p:nvPr>
+            <p:ph idx="1"/>
+          </p:nvPr>
+        </p:nvSpPr>
+        <p:spPr/>
+        <p:txBody>
+          <a:bodyPr/>
+          <a:lstStyle/>
+          <a:p>
+            <a:r>
+              <a:rPr lang="en-CA" dirty="0"/>
+              <a:t>There exist libraries to write bytes or characters to disk</a:t>
+            </a:r>
+          </a:p>
+          <a:p>
+            <a:r>
+              <a:rPr lang="en-CA" dirty="0"/>
+              <a:t>So you need to convert your classes into bytes or characters</a:t>
+            </a:r>
+          </a:p>
+          <a:p>
+            <a:r>
+              <a:rPr lang="en-CA" dirty="0"/>
+              <a:t>A process known as serialization</a:t>
+            </a:r>
+          </a:p>
+          <a:p>
+            <a:pPr marL="68580" indent="0">
+              <a:buNone/>
+            </a:pPr>
+            <a:endParaRPr lang="en-CA" dirty="0"/>
+          </a:p>
+        </p:txBody>
+      </p:sp>
+    </p:spTree>
+    <p:extLst>
+      <p:ext uri="{BB962C8B-B14F-4D97-AF65-F5344CB8AC3E}">
+        <p14:creationId xmlns:p14="http://schemas.microsoft.com/office/powerpoint/2010/main" val="3227116346"/>
+      </p:ext>
+    </p:extLst>
+  </p:cSld>
+  <p:clrMapOvr>
+    <a:masterClrMapping/>
+  </p:clrMapOvr>
+</p:sld>
+</file>
+
+<file path=ppt/slides/slide4.xml><?xml version="1.0" encoding="utf-8"?>
+<p:sld xmlns:a="http://schemas.openxmlformats.org/drawingml/2006/main" xmlns:r="http://schemas.openxmlformats.org/officeDocument/2006/relationships" xmlns:p="http://schemas.openxmlformats.org/presentationml/2006/main">
+  <p:cSld>
+    <p:spTree>
+      <p:nvGrpSpPr>
+        <p:cNvPr id="1" name=""/>
+        <p:cNvGrpSpPr/>
+        <p:nvPr/>
+      </p:nvGrpSpPr>
+      <p:grpSpPr>
+        <a:xfrm>
+          <a:off x="0" y="0"/>
+          <a:ext cx="0" cy="0"/>
+          <a:chOff x="0" y="0"/>
+          <a:chExt cx="0" cy="0"/>
+        </a:xfrm>
+      </p:grpSpPr>
+      <p:sp>
+        <p:nvSpPr>
+          <p:cNvPr id="2" name="Title 1">
+            <a:extLst>
+              <a:ext uri="{FF2B5EF4-FFF2-40B4-BE49-F238E27FC236}">
+                <a16:creationId xmlns:a16="http://schemas.microsoft.com/office/drawing/2014/main" id="{60DE5651-C82A-DE49-88B9-659A63DF2780}"/>
+              </a:ext>
+            </a:extLst>
+          </p:cNvPr>
+          <p:cNvSpPr>
+            <a:spLocks noGrp="1"/>
+          </p:cNvSpPr>
+          <p:nvPr>
+            <p:ph type="title"/>
+          </p:nvPr>
+        </p:nvSpPr>
+        <p:spPr/>
+        <p:txBody>
+          <a:bodyPr/>
+          <a:lstStyle/>
+          <a:p>
+            <a:r>
+              <a:rPr lang="en-CA" dirty="0"/>
+              <a:t>How do you read data from disk? </a:t>
+            </a:r>
+          </a:p>
+        </p:txBody>
+      </p:sp>
+      <p:sp>
+        <p:nvSpPr>
+          <p:cNvPr id="3" name="Content Placeholder 2">
+            <a:extLst>
+              <a:ext uri="{FF2B5EF4-FFF2-40B4-BE49-F238E27FC236}">
+                <a16:creationId xmlns:a16="http://schemas.microsoft.com/office/drawing/2014/main" id="{CE6B3DB6-F2E1-EA99-4F86-4666E7C008F0}"/>
+              </a:ext>
+            </a:extLst>
+          </p:cNvPr>
+          <p:cNvSpPr>
+            <a:spLocks noGrp="1"/>
+          </p:cNvSpPr>
+          <p:nvPr>
+            <p:ph idx="1"/>
+          </p:nvPr>
+        </p:nvSpPr>
+        <p:spPr/>
+        <p:txBody>
+          <a:bodyPr/>
+          <a:lstStyle/>
+          <a:p>
+            <a:r>
+              <a:rPr lang="en-CA" dirty="0"/>
+              <a:t>You need to convert from a stream of characters or a binary representation </a:t>
+            </a:r>
+          </a:p>
+          <a:p>
+            <a:r>
+              <a:rPr lang="en-CA" dirty="0"/>
+              <a:t>Doing this in a robust manner is very hard</a:t>
+            </a:r>
+          </a:p>
+          <a:p>
+            <a:endParaRPr lang="en-CA" dirty="0"/>
+          </a:p>
+          <a:p>
+            <a:pPr marL="68580" indent="0">
+              <a:buNone/>
+            </a:pPr>
+            <a:endParaRPr lang="en-CA" dirty="0"/>
+          </a:p>
+        </p:txBody>
+      </p:sp>
+    </p:spTree>
+    <p:extLst>
+      <p:ext uri="{BB962C8B-B14F-4D97-AF65-F5344CB8AC3E}">
+        <p14:creationId xmlns:p14="http://schemas.microsoft.com/office/powerpoint/2010/main" val="3644590088"/>
+      </p:ext>
+    </p:extLst>
+  </p:cSld>
+  <p:clrMapOvr>
+    <a:masterClrMapping/>
+  </p:clrMapOvr>
+</p:sld>
+</file>
+
+<file path=ppt/slides/slide5.xml><?xml version="1.0" encoding="utf-8"?>
+<p:sld xmlns:a="http://schemas.openxmlformats.org/drawingml/2006/main" xmlns:r="http://schemas.openxmlformats.org/officeDocument/2006/relationships" xmlns:p="http://schemas.openxmlformats.org/presentationml/2006/main">
+  <p:cSld>
+    <p:spTree>
+      <p:nvGrpSpPr>
+        <p:cNvPr id="1" name=""/>
+        <p:cNvGrpSpPr/>
+        <p:nvPr/>
+      </p:nvGrpSpPr>
+      <p:grpSpPr>
+        <a:xfrm>
+          <a:off x="0" y="0"/>
+          <a:ext cx="0" cy="0"/>
+          <a:chOff x="0" y="0"/>
+          <a:chExt cx="0" cy="0"/>
+        </a:xfrm>
+      </p:grpSpPr>
+      <p:sp>
+        <p:nvSpPr>
+          <p:cNvPr id="2" name="Title 1">
+            <a:extLst>
+              <a:ext uri="{FF2B5EF4-FFF2-40B4-BE49-F238E27FC236}">
+                <a16:creationId xmlns:a16="http://schemas.microsoft.com/office/drawing/2014/main" id="{3595F7C5-3D54-8CE7-04D3-D9345D13949B}"/>
+              </a:ext>
+            </a:extLst>
+          </p:cNvPr>
+          <p:cNvSpPr>
+            <a:spLocks noGrp="1"/>
+          </p:cNvSpPr>
+          <p:nvPr>
+            <p:ph type="title"/>
+          </p:nvPr>
+        </p:nvSpPr>
+        <p:spPr/>
+        <p:txBody>
+          <a:bodyPr/>
+          <a:lstStyle/>
+          <a:p>
+            <a:r>
+              <a:rPr lang="en-CA" dirty="0"/>
+              <a:t>Serialization / Deserialization</a:t>
+            </a:r>
+          </a:p>
+        </p:txBody>
+      </p:sp>
+      <p:sp>
+        <p:nvSpPr>
+          <p:cNvPr id="3" name="Content Placeholder 2">
+            <a:extLst>
+              <a:ext uri="{FF2B5EF4-FFF2-40B4-BE49-F238E27FC236}">
+                <a16:creationId xmlns:a16="http://schemas.microsoft.com/office/drawing/2014/main" id="{6D888A18-9069-6EFC-9636-34B69A0FA970}"/>
+              </a:ext>
+            </a:extLst>
+          </p:cNvPr>
+          <p:cNvSpPr>
+            <a:spLocks noGrp="1"/>
+          </p:cNvSpPr>
+          <p:nvPr>
+            <p:ph idx="1"/>
+          </p:nvPr>
+        </p:nvSpPr>
+        <p:spPr/>
+        <p:txBody>
+          <a:bodyPr/>
+          <a:lstStyle/>
+          <a:p>
+            <a:r>
+              <a:rPr lang="en-CA" dirty="0"/>
+              <a:t>Serialization is the process of converting objects into bytes (or characters) so that they can save to disk or transmitted over a network. </a:t>
+            </a:r>
+          </a:p>
+          <a:p>
+            <a:r>
+              <a:rPr lang="en-CA" dirty="0"/>
+              <a:t>Deserialization is the process of reconstituting byte or character streams back into the original objects </a:t>
+            </a:r>
+          </a:p>
+          <a:p>
+            <a:endParaRPr lang="en-CA" dirty="0"/>
+          </a:p>
+        </p:txBody>
+      </p:sp>
+    </p:spTree>
+    <p:extLst>
+      <p:ext uri="{BB962C8B-B14F-4D97-AF65-F5344CB8AC3E}">
+        <p14:creationId xmlns:p14="http://schemas.microsoft.com/office/powerpoint/2010/main" val="460118873"/>
+      </p:ext>
+    </p:extLst>
+  </p:cSld>
+  <p:clrMapOvr>
+    <a:masterClrMapping/>
+  </p:clrMapOvr>
+</p:sld>
+</file>
+
+<file path=ppt/slides/slide6.xml><?xml version="1.0" encoding="utf-8"?>
+<p:sld xmlns:a="http://schemas.openxmlformats.org/drawingml/2006/main" xmlns:r="http://schemas.openxmlformats.org/officeDocument/2006/relationships" xmlns:p="http://schemas.openxmlformats.org/presentationml/2006/main">
+  <p:cSld>
+    <p:spTree>
+      <p:nvGrpSpPr>
+        <p:cNvPr id="1" name=""/>
+        <p:cNvGrpSpPr/>
+        <p:nvPr/>
+      </p:nvGrpSpPr>
+      <p:grpSpPr>
+        <a:xfrm>
+          <a:off x="0" y="0"/>
+          <a:ext cx="0" cy="0"/>
+          <a:chOff x="0" y="0"/>
+          <a:chExt cx="0" cy="0"/>
+        </a:xfrm>
+      </p:grpSpPr>
+      <p:sp>
+        <p:nvSpPr>
+          <p:cNvPr id="2" name="Title 1">
+            <a:extLst>
+              <a:ext uri="{FF2B5EF4-FFF2-40B4-BE49-F238E27FC236}">
+                <a16:creationId xmlns:a16="http://schemas.microsoft.com/office/drawing/2014/main" id="{FD8E10DE-953C-95FE-058E-15F9D1674FFA}"/>
+              </a:ext>
+            </a:extLst>
+          </p:cNvPr>
+          <p:cNvSpPr>
+            <a:spLocks noGrp="1"/>
+          </p:cNvSpPr>
+          <p:nvPr>
+            <p:ph type="title"/>
+          </p:nvPr>
+        </p:nvSpPr>
+        <p:spPr/>
+        <p:txBody>
+          <a:bodyPr/>
+          <a:lstStyle/>
+          <a:p>
+            <a:r>
+              <a:rPr lang="en-CA" dirty="0"/>
+              <a:t>How Serializers work </a:t>
+            </a:r>
+          </a:p>
+        </p:txBody>
+      </p:sp>
+      <p:sp>
+        <p:nvSpPr>
+          <p:cNvPr id="3" name="Content Placeholder 2">
+            <a:extLst>
+              <a:ext uri="{FF2B5EF4-FFF2-40B4-BE49-F238E27FC236}">
+                <a16:creationId xmlns:a16="http://schemas.microsoft.com/office/drawing/2014/main" id="{F822DC0D-9873-9B7D-6B76-7AC83B8B599A}"/>
+              </a:ext>
+            </a:extLst>
+          </p:cNvPr>
+          <p:cNvSpPr>
+            <a:spLocks noGrp="1"/>
+          </p:cNvSpPr>
+          <p:nvPr>
+            <p:ph idx="1"/>
+          </p:nvPr>
+        </p:nvSpPr>
+        <p:spPr/>
+        <p:txBody>
+          <a:bodyPr/>
+          <a:lstStyle/>
+          <a:p>
+            <a:r>
+              <a:rPr lang="en-CA" dirty="0"/>
+              <a:t>By querying at runtime the fields of the different types using “</a:t>
+            </a:r>
+            <a:r>
+              <a:rPr lang="en-CA" dirty="0" err="1"/>
+              <a:t>GetType</a:t>
+            </a:r>
+            <a:r>
+              <a:rPr lang="en-CA" dirty="0"/>
+              <a:t>()” </a:t>
+            </a:r>
+          </a:p>
+        </p:txBody>
+      </p:sp>
+    </p:spTree>
+    <p:extLst>
+      <p:ext uri="{BB962C8B-B14F-4D97-AF65-F5344CB8AC3E}">
+        <p14:creationId xmlns:p14="http://schemas.microsoft.com/office/powerpoint/2010/main" val="1078808469"/>
+      </p:ext>
+    </p:extLst>
+  </p:cSld>
+  <p:clrMapOvr>
+    <a:masterClrMapping/>
+  </p:clrMapOvr>
+</p:sld>
+</file>
+
+<file path=ppt/slides/slide7.xml><?xml version="1.0" encoding="utf-8"?>
+<p:sld xmlns:a="http://schemas.openxmlformats.org/drawingml/2006/main" xmlns:r="http://schemas.openxmlformats.org/officeDocument/2006/relationships" xmlns:p="http://schemas.openxmlformats.org/presentationml/2006/main">
+  <p:cSld>
+    <p:spTree>
+      <p:nvGrpSpPr>
+        <p:cNvPr id="1" name=""/>
+        <p:cNvGrpSpPr/>
+        <p:nvPr/>
+      </p:nvGrpSpPr>
+      <p:grpSpPr>
+        <a:xfrm>
+          <a:off x="0" y="0"/>
+          <a:ext cx="0" cy="0"/>
+          <a:chOff x="0" y="0"/>
+          <a:chExt cx="0" cy="0"/>
+        </a:xfrm>
+      </p:grpSpPr>
+      <p:sp>
+        <p:nvSpPr>
+          <p:cNvPr id="2" name="Title 1">
+            <a:extLst>
+              <a:ext uri="{FF2B5EF4-FFF2-40B4-BE49-F238E27FC236}">
+                <a16:creationId xmlns:a16="http://schemas.microsoft.com/office/drawing/2014/main" id="{2F620C94-B224-41E9-9D1F-ED4BC6624B41}"/>
+              </a:ext>
+            </a:extLst>
+          </p:cNvPr>
+          <p:cNvSpPr>
+            <a:spLocks noGrp="1"/>
+          </p:cNvSpPr>
+          <p:nvPr>
+            <p:ph type="title"/>
+          </p:nvPr>
+        </p:nvSpPr>
+        <p:spPr/>
+        <p:txBody>
+          <a:bodyPr/>
+          <a:lstStyle/>
+          <a:p>
+            <a:r>
+              <a:rPr lang="en-CA" dirty="0"/>
+              <a:t>Common Types of Serializers</a:t>
+            </a:r>
+          </a:p>
+        </p:txBody>
+      </p:sp>
+      <p:sp>
+        <p:nvSpPr>
+          <p:cNvPr id="3" name="Content Placeholder 2">
+            <a:extLst>
+              <a:ext uri="{FF2B5EF4-FFF2-40B4-BE49-F238E27FC236}">
+                <a16:creationId xmlns:a16="http://schemas.microsoft.com/office/drawing/2014/main" id="{14BCACE3-F800-4FD6-2F04-F305C97EC13E}"/>
+              </a:ext>
+            </a:extLst>
+          </p:cNvPr>
+          <p:cNvSpPr>
+            <a:spLocks noGrp="1"/>
+          </p:cNvSpPr>
+          <p:nvPr>
+            <p:ph idx="1"/>
+          </p:nvPr>
+        </p:nvSpPr>
+        <p:spPr/>
+        <p:txBody>
+          <a:bodyPr/>
+          <a:lstStyle/>
+          <a:p>
+            <a:r>
+              <a:rPr lang="en-CA" dirty="0" err="1"/>
+              <a:t>XmlSerializer</a:t>
+            </a:r>
+            <a:endParaRPr lang="en-CA" dirty="0"/>
+          </a:p>
+          <a:p>
+            <a:r>
+              <a:rPr lang="en-CA" dirty="0" err="1"/>
+              <a:t>JsonSerializer</a:t>
+            </a:r>
+            <a:endParaRPr lang="en-CA" dirty="0"/>
+          </a:p>
+          <a:p>
+            <a:r>
+              <a:rPr lang="en-CA"/>
+              <a:t>BinarySerializer</a:t>
+            </a:r>
+          </a:p>
+        </p:txBody>
+      </p:sp>
+    </p:spTree>
+    <p:extLst>
+      <p:ext uri="{BB962C8B-B14F-4D97-AF65-F5344CB8AC3E}">
+        <p14:creationId xmlns:p14="http://schemas.microsoft.com/office/powerpoint/2010/main" val="2428040165"/>
+      </p:ext>
+    </p:extLst>
+  </p:cSld>
+  <p:clrMapOvr>
+    <a:masterClrMapping/>
+  </p:clrMapOvr>
+</p:sld>
+</file>
+
+<file path=ppt/slides/slide8.xml><?xml version="1.0" encoding="utf-8"?>
+<p:sld xmlns:a="http://schemas.openxmlformats.org/drawingml/2006/main" xmlns:r="http://schemas.openxmlformats.org/officeDocument/2006/relationships" xmlns:p="http://schemas.openxmlformats.org/presentationml/2006/main">
+  <p:cSld>
+    <p:spTree>
+      <p:nvGrpSpPr>
+        <p:cNvPr id="1" name=""/>
+        <p:cNvGrpSpPr/>
+        <p:nvPr/>
+      </p:nvGrpSpPr>
+      <p:grpSpPr>
+        <a:xfrm>
+          <a:off x="0" y="0"/>
+          <a:ext cx="0" cy="0"/>
+          <a:chOff x="0" y="0"/>
+          <a:chExt cx="0" cy="0"/>
+        </a:xfrm>
+      </p:grpSpPr>
+      <p:sp>
+        <p:nvSpPr>
+          <p:cNvPr id="2" name="Title 1">
+            <a:extLst>
+              <a:ext uri="{FF2B5EF4-FFF2-40B4-BE49-F238E27FC236}">
+                <a16:creationId xmlns:a16="http://schemas.microsoft.com/office/drawing/2014/main" id="{10223979-09AA-C3BD-7A14-2309F8EDF839}"/>
+              </a:ext>
+            </a:extLst>
+          </p:cNvPr>
+          <p:cNvSpPr>
+            <a:spLocks noGrp="1"/>
+          </p:cNvSpPr>
+          <p:nvPr>
+            <p:ph type="title"/>
+          </p:nvPr>
+        </p:nvSpPr>
+        <p:spPr/>
+        <p:txBody>
+          <a:bodyPr/>
+          <a:lstStyle/>
+          <a:p>
+            <a:r>
+              <a:rPr lang="en-CA" dirty="0"/>
+              <a:t>Reflection</a:t>
+            </a:r>
+          </a:p>
+        </p:txBody>
+      </p:sp>
+      <p:sp>
+        <p:nvSpPr>
+          <p:cNvPr id="3" name="Content Placeholder 2">
+            <a:extLst>
+              <a:ext uri="{FF2B5EF4-FFF2-40B4-BE49-F238E27FC236}">
+                <a16:creationId xmlns:a16="http://schemas.microsoft.com/office/drawing/2014/main" id="{D30F7408-FADF-80BC-8963-58D8D49E10D0}"/>
+              </a:ext>
+            </a:extLst>
+          </p:cNvPr>
+          <p:cNvSpPr>
+            <a:spLocks noGrp="1"/>
+          </p:cNvSpPr>
+          <p:nvPr>
+            <p:ph idx="1"/>
+          </p:nvPr>
+        </p:nvSpPr>
+        <p:spPr/>
+        <p:txBody>
+          <a:bodyPr/>
+          <a:lstStyle/>
+          <a:p>
+            <a:r>
+              <a:rPr lang="en-CA" dirty="0"/>
+              <a:t>Reflection allow objects to query information about objects </a:t>
+            </a:r>
+          </a:p>
+          <a:p>
+            <a:r>
+              <a:rPr lang="en-CA" dirty="0"/>
+              <a:t>For example: what are the names and types of the fields? </a:t>
+            </a:r>
+          </a:p>
+          <a:p>
+            <a:r>
+              <a:rPr lang="en-CA" dirty="0"/>
+              <a:t>What values does each field hold?   </a:t>
+            </a:r>
+          </a:p>
+          <a:p>
+            <a:r>
+              <a:rPr lang="en-CA" dirty="0"/>
+              <a:t>In C# we can query this kind of information about any object</a:t>
+            </a:r>
+          </a:p>
+        </p:txBody>
+      </p:sp>
+    </p:spTree>
+    <p:extLst>
+      <p:ext uri="{BB962C8B-B14F-4D97-AF65-F5344CB8AC3E}">
+        <p14:creationId xmlns:p14="http://schemas.microsoft.com/office/powerpoint/2010/main" val="3999212553"/>
+      </p:ext>
+    </p:extLst>
+  </p:cSld>
+  <p:clrMapOvr>
+    <a:masterClrMapping/>
+  </p:clrMapOvr>
+</p:sld>
+</file>
+
+<file path=ppt/slides/slide9.xml><?xml version="1.0" encoding="utf-8"?>
+<p:sld xmlns:a="http://schemas.openxmlformats.org/drawingml/2006/main" xmlns:r="http://schemas.openxmlformats.org/officeDocument/2006/relationships" xmlns:p="http://schemas.openxmlformats.org/presentationml/2006/main">
+  <p:cSld>
+    <p:spTree>
+      <p:nvGrpSpPr>
+        <p:cNvPr id="1" name=""/>
+        <p:cNvGrpSpPr/>
+        <p:nvPr/>
+      </p:nvGrpSpPr>
+      <p:grpSpPr>
+        <a:xfrm>
+          <a:off x="0" y="0"/>
+          <a:ext cx="0" cy="0"/>
+          <a:chOff x="0" y="0"/>
+          <a:chExt cx="0" cy="0"/>
+        </a:xfrm>
+      </p:grpSpPr>
+      <p:sp>
+        <p:nvSpPr>
+          <p:cNvPr id="2" name="Title 1">
+            <a:extLst>
+              <a:ext uri="{FF2B5EF4-FFF2-40B4-BE49-F238E27FC236}">
+                <a16:creationId xmlns:a16="http://schemas.microsoft.com/office/drawing/2014/main" id="{EAA5CF03-37E9-3ED1-E13D-F457716371DD}"/>
+              </a:ext>
+            </a:extLst>
+          </p:cNvPr>
+          <p:cNvSpPr>
+            <a:spLocks noGrp="1"/>
+          </p:cNvSpPr>
+          <p:nvPr>
+            <p:ph type="title"/>
+          </p:nvPr>
+        </p:nvSpPr>
+        <p:spPr>
+          <a:xfrm>
+            <a:off x="12292707" y="1286512"/>
+            <a:ext cx="4670049" cy="5434266"/>
+          </a:xfrm>
+        </p:spPr>
+        <p:txBody>
+          <a:bodyPr vert="horz" lIns="91440" tIns="45720" rIns="91440" bIns="45720" rtlCol="0" anchor="b">
+            <a:normAutofit/>
+          </a:bodyPr>
+          <a:lstStyle/>
+          <a:p>
+            <a:pPr algn="ctr" defTabSz="914400">
+              <a:lnSpc>
+                <a:spcPct val="85000"/>
+              </a:lnSpc>
+            </a:pPr>
+            <a:r>
+              <a:rPr lang="en-US" sz="7500" b="1" cap="all">
+                <a:solidFill>
+                  <a:srgbClr val="FFFFFF"/>
+                </a:solidFill>
+              </a:rPr>
+              <a:t>Example XML </a:t>
+            </a:r>
+          </a:p>
+        </p:txBody>
+      </p:sp>
+      <p:pic>
+        <p:nvPicPr>
+          <p:cNvPr id="5" name="Content Placeholder 4">
+            <a:extLst>
+              <a:ext uri="{FF2B5EF4-FFF2-40B4-BE49-F238E27FC236}">
+                <a16:creationId xmlns:a16="http://schemas.microsoft.com/office/drawing/2014/main" id="{7C9EF3FF-A954-B716-AEFF-E8FAC9CF6AAA}"/>
+              </a:ext>
+            </a:extLst>
+          </p:cNvPr>
+          <p:cNvPicPr>
+            <a:picLocks noGrp="1" noChangeAspect="1"/>
+          </p:cNvPicPr>
+          <p:nvPr>
+            <p:ph idx="1"/>
+          </p:nvPr>
+        </p:nvPicPr>
+        <p:blipFill>
+          <a:blip r:embed="rId2"/>
+          <a:stretch>
+            <a:fillRect/>
+          </a:stretch>
+        </p:blipFill>
+        <p:spPr>
+          <a:xfrm>
+            <a:off x="1308096" y="2195397"/>
+            <a:ext cx="9068364" cy="5893234"/>
+          </a:xfrm>
+          <a:prstGeom prst="rect">
+            <a:avLst/>
+          </a:prstGeom>
+        </p:spPr>
+      </p:pic>
+    </p:spTree>
+    <p:extLst>
+      <p:ext uri="{BB962C8B-B14F-4D97-AF65-F5344CB8AC3E}">
+        <p14:creationId xmlns:p14="http://schemas.microsoft.com/office/powerpoint/2010/main" val="2129458682"/>
       </p:ext>
     </p:extLst>
   </p:cSld>
